--- a/docs/报告文档/周汇报及提交文档/第三周汇报_Zmall小组_刘奕鑫.pptx
+++ b/docs/报告文档/周汇报及提交文档/第三周汇报_Zmall小组_刘奕鑫.pptx
@@ -206,7 +206,7 @@
           <a:p>
             <a:fld id="{0B9B0489-4EB9-4AD5-BD72-51AA4EA79DF1}" type="datetimeFigureOut">
               <a:rPr lang="zh-CN" altLang="en-US" smtClean="0"/>
-              <a:t>2020-06-12</a:t>
+              <a:t>2020-06-27</a:t>
             </a:fld>
             <a:endParaRPr lang="zh-CN" altLang="en-US"/>
           </a:p>
@@ -2988,7 +2988,7 @@
           <a:p>
             <a:fld id="{3C04E684-10F4-4CC3-A0B9-F03AA7BE37CF}" type="datetimeFigureOut">
               <a:rPr lang="en-US" smtClean="0"/>
-              <a:t>6/12/2020</a:t>
+              <a:t>6/27/2020</a:t>
             </a:fld>
             <a:endParaRPr lang="en-US"/>
           </a:p>
@@ -5478,7 +5478,7 @@
           <a:p>
             <a:fld id="{3C04E684-10F4-4CC3-A0B9-F03AA7BE37CF}" type="datetimeFigureOut">
               <a:rPr lang="en-US" smtClean="0"/>
-              <a:t>6/12/2020</a:t>
+              <a:t>6/27/2020</a:t>
             </a:fld>
             <a:endParaRPr lang="en-US"/>
           </a:p>
@@ -5676,7 +5676,7 @@
           <a:p>
             <a:fld id="{3C04E684-10F4-4CC3-A0B9-F03AA7BE37CF}" type="datetimeFigureOut">
               <a:rPr lang="en-US" smtClean="0"/>
-              <a:t>6/12/2020</a:t>
+              <a:t>6/27/2020</a:t>
             </a:fld>
             <a:endParaRPr lang="en-US"/>
           </a:p>
@@ -5884,7 +5884,7 @@
           <a:p>
             <a:fld id="{3C04E684-10F4-4CC3-A0B9-F03AA7BE37CF}" type="datetimeFigureOut">
               <a:rPr lang="en-US" smtClean="0"/>
-              <a:t>6/12/2020</a:t>
+              <a:t>6/27/2020</a:t>
             </a:fld>
             <a:endParaRPr lang="en-US"/>
           </a:p>
@@ -6621,7 +6621,7 @@
           <a:p>
             <a:fld id="{3C04E684-10F4-4CC3-A0B9-F03AA7BE37CF}" type="datetimeFigureOut">
               <a:rPr lang="en-US" smtClean="0"/>
-              <a:t>6/12/2020</a:t>
+              <a:t>6/27/2020</a:t>
             </a:fld>
             <a:endParaRPr lang="en-US"/>
           </a:p>
@@ -7263,7 +7263,7 @@
           <a:p>
             <a:fld id="{3C04E684-10F4-4CC3-A0B9-F03AA7BE37CF}" type="datetimeFigureOut">
               <a:rPr lang="en-US" smtClean="0"/>
-              <a:t>6/12/2020</a:t>
+              <a:t>6/27/2020</a:t>
             </a:fld>
             <a:endParaRPr lang="en-US"/>
           </a:p>
@@ -8063,7 +8063,7 @@
           <a:p>
             <a:fld id="{3C04E684-10F4-4CC3-A0B9-F03AA7BE37CF}" type="datetimeFigureOut">
               <a:rPr lang="en-US" smtClean="0"/>
-              <a:t>6/12/2020</a:t>
+              <a:t>6/27/2020</a:t>
             </a:fld>
             <a:endParaRPr lang="en-US"/>
           </a:p>
@@ -9014,7 +9014,7 @@
           <a:p>
             <a:fld id="{3C04E684-10F4-4CC3-A0B9-F03AA7BE37CF}" type="datetimeFigureOut">
               <a:rPr lang="en-US" smtClean="0"/>
-              <a:t>6/12/2020</a:t>
+              <a:t>6/27/2020</a:t>
             </a:fld>
             <a:endParaRPr lang="en-US"/>
           </a:p>
@@ -11363,7 +11363,7 @@
           <a:p>
             <a:fld id="{3C04E684-10F4-4CC3-A0B9-F03AA7BE37CF}" type="datetimeFigureOut">
               <a:rPr lang="en-US" smtClean="0"/>
-              <a:t>6/12/2020</a:t>
+              <a:t>6/27/2020</a:t>
             </a:fld>
             <a:endParaRPr lang="en-US"/>
           </a:p>
@@ -11476,7 +11476,7 @@
           <a:p>
             <a:fld id="{3C04E684-10F4-4CC3-A0B9-F03AA7BE37CF}" type="datetimeFigureOut">
               <a:rPr lang="en-US" smtClean="0"/>
-              <a:t>6/12/2020</a:t>
+              <a:t>6/27/2020</a:t>
             </a:fld>
             <a:endParaRPr lang="en-US"/>
           </a:p>
@@ -11983,7 +11983,7 @@
           <a:p>
             <a:fld id="{3C04E684-10F4-4CC3-A0B9-F03AA7BE37CF}" type="datetimeFigureOut">
               <a:rPr lang="en-US" smtClean="0"/>
-              <a:t>6/12/2020</a:t>
+              <a:t>6/27/2020</a:t>
             </a:fld>
             <a:endParaRPr lang="en-US"/>
           </a:p>
@@ -13286,7 +13286,7 @@
           <a:p>
             <a:fld id="{3C04E684-10F4-4CC3-A0B9-F03AA7BE37CF}" type="datetimeFigureOut">
               <a:rPr lang="en-US" smtClean="0"/>
-              <a:t>6/12/2020</a:t>
+              <a:t>6/27/2020</a:t>
             </a:fld>
             <a:endParaRPr lang="en-US"/>
           </a:p>
@@ -13533,7 +13533,7 @@
           <a:p>
             <a:fld id="{3C04E684-10F4-4CC3-A0B9-F03AA7BE37CF}" type="datetimeFigureOut">
               <a:rPr lang="en-US" smtClean="0"/>
-              <a:t>6/12/2020</a:t>
+              <a:t>6/27/2020</a:t>
             </a:fld>
             <a:endParaRPr lang="en-US"/>
           </a:p>
